--- a/training/powerpoints/tmp_output.pptx
+++ b/training/powerpoints/tmp_output.pptx
@@ -251,7 +251,7 @@
           <a:p>
             <a:fld id="{54C52192-B826-4AE0-9CD6-BEA9467D12B3}" type="datetimeFigureOut">
               <a:rPr lang="nb-NO" smtClean="0"/>
-              <a:t>06.10.2021</a:t>
+              <a:t>07.10.2021</a:t>
             </a:fld>
             <a:endParaRPr lang="nb-NO"/>
           </a:p>
@@ -417,7 +417,7 @@
           <a:p>
             <a:fld id="{2696BCB2-2760-41B1-A1BE-7886EF110FCB}" type="datetimeFigureOut">
               <a:rPr lang="nb-NO" smtClean="0"/>
-              <a:t>06.10.2021</a:t>
+              <a:t>07.10.2021</a:t>
             </a:fld>
             <a:endParaRPr lang="nb-NO"/>
           </a:p>
@@ -24994,7 +24994,7 @@
                 </a:solidFill>
                 <a:latin typeface="Museo Sans 700" panose="02000000000000000000" pitchFamily="2" charset="77"/>
               </a:rPr>
-              <a:t>Hello world</a:t>
+              <a:t>Environment variables &amp; Secrets</a:t>
             </a:r>
           </a:p>
         </p:txBody>
@@ -25041,7 +25041,7 @@
         <p:spPr>
           <a:xfrm>
             <a:off x="1097194" y="1679077"/>
-            <a:ext cx="8338614" cy="707886"/>
+            <a:ext cx="8338614" cy="461665"/>
           </a:xfrm>
           <a:prstGeom prst="rect">
             <a:avLst/>
@@ -25062,13 +25062,13 @@
               <a:buChar char="o"/>
             </a:pPr>
             <a:r>
-              <a:rPr lang="en-US" sz="4000" dirty="0">
+              <a:rPr lang="en-US" sz="2400" dirty="0">
                 <a:latin typeface="Museo sans" panose="02000000000000000000"/>
                 <a:cs typeface="Calibri"/>
               </a:rPr>
-              <a:t>One</a:t>
-            </a:r>
-            <a:endParaRPr lang="en-US" sz="4000" dirty="0">
+              <a:t>Environment variables and secrets are named values used to parameterize configs</a:t>
+            </a:r>
+            <a:endParaRPr lang="en-US" sz="2400" dirty="0">
               <a:latin typeface="Museo sans" panose="02000000000000000000"/>
               <a:cs typeface="Calibri"/>
             </a:endParaRPr>
@@ -25082,16 +25082,34 @@
               <a:buChar char="o"/>
             </a:pPr>
             <a:r>
-              <a:rPr lang="en-US" sz="4000" dirty="0">
+              <a:rPr lang="en-US" sz="2400" dirty="0">
                 <a:latin typeface="Museo sans" panose="02000000000000000000"/>
                 <a:cs typeface="Calibri"/>
               </a:rPr>
-              <a:t>Two</a:t>
-            </a:r>
-            <a:endParaRPr lang="en-US" sz="4000" dirty="0">
+              <a:t>Environment variables are:</a:t>
+            </a:r>
+            <a:endParaRPr lang="en-US" sz="2400" dirty="0">
               <a:latin typeface="Museo sans" panose="02000000000000000000"/>
               <a:cs typeface="Calibri"/>
             </a:endParaRPr>
+          </a:p>
+          <a:p>
+            <a:r>
+              <a:rPr lang="en-US" sz="2400" dirty="0">
+                <a:latin typeface="Museo sans" panose="02000000000000000000"/>
+                <a:cs typeface="Calibri"/>
+              </a:rPr>
+              <a:t>         - unencrypted</a:t>
+            </a:r>
+          </a:p>
+          <a:p>
+            <a:r>
+              <a:rPr lang="en-US" sz="2400" dirty="0">
+                <a:latin typeface="Museo sans" panose="02000000000000000000"/>
+                <a:cs typeface="Calibri"/>
+              </a:rPr>
+              <a:t>         - referenced with: ``"$ENV(my-env-var)"``</a:t>
+            </a:r>
           </a:p>
           <a:p>
             <a:pPr marL="571500" indent="-571500">
@@ -25102,16 +25120,34 @@
               <a:buChar char="o"/>
             </a:pPr>
             <a:r>
-              <a:rPr lang="en-US" sz="4000" dirty="0">
+              <a:rPr lang="en-US" sz="2400" dirty="0">
                 <a:latin typeface="Museo sans" panose="02000000000000000000"/>
                 <a:cs typeface="Calibri"/>
               </a:rPr>
-              <a:t>Three</a:t>
-            </a:r>
-            <a:endParaRPr lang="en-US" sz="4000" dirty="0">
+              <a:t>Secrets are:</a:t>
+            </a:r>
+            <a:endParaRPr lang="en-US" sz="2400" dirty="0">
               <a:latin typeface="Museo sans" panose="02000000000000000000"/>
               <a:cs typeface="Calibri"/>
             </a:endParaRPr>
+          </a:p>
+          <a:p>
+            <a:r>
+              <a:rPr lang="en-US" sz="2400" dirty="0">
+                <a:latin typeface="Museo sans" panose="02000000000000000000"/>
+                <a:cs typeface="Calibri"/>
+              </a:rPr>
+              <a:t>         - encrypted</a:t>
+            </a:r>
+          </a:p>
+          <a:p>
+            <a:r>
+              <a:rPr lang="en-US" sz="2400" dirty="0">
+                <a:latin typeface="Museo sans" panose="02000000000000000000"/>
+                <a:cs typeface="Calibri"/>
+              </a:rPr>
+              <a:t>         - referenced with: ``"$SECRET(my-secret)"``</a:t>
+            </a:r>
           </a:p>
           <a:p>
             <a:pPr marL="571500" indent="-571500">
@@ -25122,13 +25158,13 @@
               <a:buChar char="o"/>
             </a:pPr>
             <a:r>
-              <a:rPr lang="en-US" sz="4000" dirty="0">
+              <a:rPr lang="en-US" sz="2400" dirty="0">
                 <a:latin typeface="Museo sans" panose="02000000000000000000"/>
                 <a:cs typeface="Calibri"/>
               </a:rPr>
-              <a:t>Four</a:t>
-            </a:r>
-            <a:endParaRPr lang="en-US" sz="4000" dirty="0">
+              <a:t>Both are defined under **Datahub &gt; Variables**</a:t>
+            </a:r>
+            <a:endParaRPr lang="en-US" sz="2400" dirty="0">
               <a:latin typeface="Museo sans" panose="02000000000000000000"/>
               <a:cs typeface="Calibri"/>
             </a:endParaRPr>
@@ -25142,13 +25178,13 @@
               <a:buChar char="o"/>
             </a:pPr>
             <a:r>
-              <a:rPr lang="en-US" sz="4000" dirty="0">
+              <a:rPr lang="en-US" sz="2400" dirty="0">
                 <a:latin typeface="Museo sans" panose="02000000000000000000"/>
                 <a:cs typeface="Calibri"/>
               </a:rPr>
-              <a:t>Five</a:t>
-            </a:r>
-            <a:endParaRPr lang="en-US" sz="4000" dirty="0">
+              <a:t>Secrets can also be defined under a system's **Secrets** tab</a:t>
+            </a:r>
+            <a:endParaRPr lang="en-US" sz="2400" dirty="0">
               <a:latin typeface="Museo sans" panose="02000000000000000000"/>
               <a:cs typeface="Calibri"/>
             </a:endParaRPr>
@@ -25162,13 +25198,13 @@
               <a:buChar char="o"/>
             </a:pPr>
             <a:r>
-              <a:rPr lang="en-US" sz="4000" dirty="0">
+              <a:rPr lang="en-US" sz="2400" dirty="0">
                 <a:latin typeface="Museo sans" panose="02000000000000000000"/>
                 <a:cs typeface="Calibri"/>
               </a:rPr>
-              <a:t/>
-            </a:r>
-            <a:endParaRPr lang="en-US" sz="4000" dirty="0">
+              <a:t>Eases and improves config maintenance</a:t>
+            </a:r>
+            <a:endParaRPr lang="en-US" sz="2400" dirty="0">
               <a:latin typeface="Museo sans" panose="02000000000000000000"/>
               <a:cs typeface="Calibri"/>
             </a:endParaRPr>
@@ -27467,15 +27503,6 @@
 </file>
 
 <file path=customXml/item2.xml><?xml version="1.0" encoding="utf-8"?>
-<?mso-contentType ?>
-<FormTemplates xmlns="http://schemas.microsoft.com/sharepoint/v3/contenttype/forms">
-  <Display>DocumentLibraryForm</Display>
-  <Edit>DocumentLibraryForm</Edit>
-  <New>DocumentLibraryForm</New>
-</FormTemplates>
-</file>
-
-<file path=customXml/item3.xml><?xml version="1.0" encoding="utf-8"?>
 <ct:contentTypeSchema xmlns:ct="http://schemas.microsoft.com/office/2006/metadata/contentType" xmlns:ma="http://schemas.microsoft.com/office/2006/metadata/properties/metaAttributes" ct:_="" ma:_="" ma:contentTypeName="Dokument" ma:contentTypeID="0x0101003C4E0E898F6F9C4387272FFFDB0AF2C1" ma:contentTypeVersion="8" ma:contentTypeDescription="Opprett et nytt dokument." ma:contentTypeScope="" ma:versionID="ff062c7761efb89aabc7cfb64ef5260b">
   <xsd:schema xmlns:xsd="http://www.w3.org/2001/XMLSchema" xmlns:xs="http://www.w3.org/2001/XMLSchema" xmlns:p="http://schemas.microsoft.com/office/2006/metadata/properties" xmlns:ns2="9380ff4a-5cef-46e4-8540-1e76b55a094d" targetNamespace="http://schemas.microsoft.com/office/2006/metadata/properties" ma:root="true" ma:fieldsID="247cd4d60ae1ddf1ee969b2be6b5aec0" ns2:_="">
     <xsd:import namespace="9380ff4a-5cef-46e4-8540-1e76b55a094d"/>
@@ -27647,6 +27674,15 @@
 </ct:contentTypeSchema>
 </file>
 
+<file path=customXml/item3.xml><?xml version="1.0" encoding="utf-8"?>
+<?mso-contentType ?>
+<FormTemplates xmlns="http://schemas.microsoft.com/sharepoint/v3/contenttype/forms">
+  <Display>DocumentLibraryForm</Display>
+  <Edit>DocumentLibraryForm</Edit>
+  <New>DocumentLibraryForm</New>
+</FormTemplates>
+</file>
+
 <file path=customXml/itemProps1.xml><?xml version="1.0" encoding="utf-8"?>
 <ds:datastoreItem xmlns:ds="http://schemas.openxmlformats.org/officeDocument/2006/customXml" ds:itemID="{013B90BC-E2F6-4CED-AABA-9D0A3FB55054}">
   <ds:schemaRefs>
@@ -27664,14 +27700,6 @@
 </file>
 
 <file path=customXml/itemProps2.xml><?xml version="1.0" encoding="utf-8"?>
-<ds:datastoreItem xmlns:ds="http://schemas.openxmlformats.org/officeDocument/2006/customXml" ds:itemID="{5B4D2ED0-4D13-4C8A-8428-854BBC208AF9}">
-  <ds:schemaRefs>
-    <ds:schemaRef ds:uri="http://schemas.microsoft.com/sharepoint/v3/contenttype/forms"/>
-  </ds:schemaRefs>
-</ds:datastoreItem>
-</file>
-
-<file path=customXml/itemProps3.xml><?xml version="1.0" encoding="utf-8"?>
 <ds:datastoreItem xmlns:ds="http://schemas.openxmlformats.org/officeDocument/2006/customXml" ds:itemID="{EC4F181B-882A-4BA5-B222-EE597D3748DD}">
   <ds:schemaRefs>
     <ds:schemaRef ds:uri="http://schemas.microsoft.com/office/2006/metadata/contentType"/>
@@ -27687,4 +27715,12 @@
     <ds:schemaRef ds:uri="http://schemas.microsoft.com/internal/obd"/>
   </ds:schemaRefs>
 </ds:datastoreItem>
+</file>
+
+<file path=customXml/itemProps3.xml><?xml version="1.0" encoding="utf-8"?>
+<ds:datastoreItem xmlns:ds="http://schemas.openxmlformats.org/officeDocument/2006/customXml" ds:itemID="{5B4D2ED0-4D13-4C8A-8428-854BBC208AF9}">
+  <ds:schemaRefs>
+    <ds:schemaRef ds:uri="http://schemas.microsoft.com/sharepoint/v3/contenttype/forms"/>
+  </ds:schemaRefs>
+</ds:datastoreItem>
 </file>